--- a/assets/pp files/causal flowchart.pptx
+++ b/assets/pp files/causal flowchart.pptx
@@ -6,6 +6,8 @@
   </p:sldMasterIdLst>
   <p:sldIdLst>
     <p:sldId id="256" r:id="rId2"/>
+    <p:sldId id="258" r:id="rId3"/>
+    <p:sldId id="259" r:id="rId4"/>
   </p:sldIdLst>
   <p:sldSz cx="12192000" cy="6858000"/>
   <p:notesSz cx="6858000" cy="9144000"/>
@@ -2745,9 +2747,14 @@
 <p:sldMaster xmlns:a="http://schemas.openxmlformats.org/drawingml/2006/main" xmlns:r="http://schemas.openxmlformats.org/officeDocument/2006/relationships" xmlns:p="http://schemas.openxmlformats.org/presentationml/2006/main">
   <p:cSld>
     <p:bg>
-      <p:bgRef idx="1001">
-        <a:schemeClr val="bg1"/>
-      </p:bgRef>
+      <p:bgPr>
+        <a:solidFill>
+          <a:schemeClr val="bg1">
+            <a:alpha val="0"/>
+          </a:schemeClr>
+        </a:solidFill>
+        <a:effectLst/>
+      </p:bgPr>
     </p:bg>
     <p:spTree>
       <p:nvGrpSpPr>
@@ -3919,6 +3926,2123 @@
 </p:sld>
 </file>
 
+<file path=ppt/slides/slide2.xml><?xml version="1.0" encoding="utf-8"?>
+<p:sld xmlns:a="http://schemas.openxmlformats.org/drawingml/2006/main" xmlns:r="http://schemas.openxmlformats.org/officeDocument/2006/relationships" xmlns:p="http://schemas.openxmlformats.org/presentationml/2006/main">
+  <p:cSld>
+    <p:spTree>
+      <p:nvGrpSpPr>
+        <p:cNvPr id="1" name=""/>
+        <p:cNvGrpSpPr/>
+        <p:nvPr/>
+      </p:nvGrpSpPr>
+      <p:grpSpPr>
+        <a:xfrm>
+          <a:off x="0" y="0"/>
+          <a:ext cx="0" cy="0"/>
+          <a:chOff x="0" y="0"/>
+          <a:chExt cx="0" cy="0"/>
+        </a:xfrm>
+      </p:grpSpPr>
+      <p:sp>
+        <p:nvSpPr>
+          <p:cNvPr id="4" name="Oval 3">
+            <a:extLst>
+              <a:ext uri="{FF2B5EF4-FFF2-40B4-BE49-F238E27FC236}">
+                <a16:creationId xmlns:a16="http://schemas.microsoft.com/office/drawing/2014/main" id="{8BC5AB0C-C017-5645-BE63-97EAB1245EE5}"/>
+              </a:ext>
+            </a:extLst>
+          </p:cNvPr>
+          <p:cNvSpPr/>
+          <p:nvPr/>
+        </p:nvSpPr>
+        <p:spPr>
+          <a:xfrm>
+            <a:off x="886775" y="1109663"/>
+            <a:ext cx="1828800" cy="1828800"/>
+          </a:xfrm>
+          <a:prstGeom prst="ellipse">
+            <a:avLst/>
+          </a:prstGeom>
+          <a:solidFill>
+            <a:schemeClr val="tx1"/>
+          </a:solidFill>
+          <a:ln>
+            <a:solidFill>
+              <a:schemeClr val="tx1"/>
+            </a:solidFill>
+          </a:ln>
+        </p:spPr>
+        <p:style>
+          <a:lnRef idx="2">
+            <a:schemeClr val="accent1">
+              <a:shade val="50000"/>
+            </a:schemeClr>
+          </a:lnRef>
+          <a:fillRef idx="1">
+            <a:schemeClr val="accent1"/>
+          </a:fillRef>
+          <a:effectRef idx="0">
+            <a:schemeClr val="accent1"/>
+          </a:effectRef>
+          <a:fontRef idx="minor">
+            <a:schemeClr val="lt1"/>
+          </a:fontRef>
+        </p:style>
+        <p:txBody>
+          <a:bodyPr rtlCol="0" anchor="ctr"/>
+          <a:lstStyle/>
+          <a:p>
+            <a:pPr algn="ctr"/>
+            <a:r>
+              <a:rPr lang="en-US" dirty="0">
+                <a:latin typeface="Lato" panose="020F0502020204030203" pitchFamily="34" charset="0"/>
+                <a:ea typeface="Lato" panose="020F0502020204030203" pitchFamily="34" charset="0"/>
+                <a:cs typeface="Lato" panose="020F0502020204030203" pitchFamily="34" charset="0"/>
+              </a:rPr>
+              <a:t>Features X</a:t>
+            </a:r>
+          </a:p>
+        </p:txBody>
+      </p:sp>
+      <p:sp>
+        <p:nvSpPr>
+          <p:cNvPr id="5" name="Oval 4">
+            <a:extLst>
+              <a:ext uri="{FF2B5EF4-FFF2-40B4-BE49-F238E27FC236}">
+                <a16:creationId xmlns:a16="http://schemas.microsoft.com/office/drawing/2014/main" id="{C381DA1A-4CBA-0D44-9399-945DC5AAD5D1}"/>
+              </a:ext>
+            </a:extLst>
+          </p:cNvPr>
+          <p:cNvSpPr/>
+          <p:nvPr/>
+        </p:nvSpPr>
+        <p:spPr>
+          <a:xfrm>
+            <a:off x="5653694" y="1109663"/>
+            <a:ext cx="1828800" cy="1828800"/>
+          </a:xfrm>
+          <a:prstGeom prst="ellipse">
+            <a:avLst/>
+          </a:prstGeom>
+          <a:solidFill>
+            <a:schemeClr val="tx1"/>
+          </a:solidFill>
+          <a:ln>
+            <a:solidFill>
+              <a:schemeClr val="tx1"/>
+            </a:solidFill>
+          </a:ln>
+        </p:spPr>
+        <p:style>
+          <a:lnRef idx="2">
+            <a:schemeClr val="accent1">
+              <a:shade val="50000"/>
+            </a:schemeClr>
+          </a:lnRef>
+          <a:fillRef idx="1">
+            <a:schemeClr val="accent1"/>
+          </a:fillRef>
+          <a:effectRef idx="0">
+            <a:schemeClr val="accent1"/>
+          </a:effectRef>
+          <a:fontRef idx="minor">
+            <a:schemeClr val="lt1"/>
+          </a:fontRef>
+        </p:style>
+        <p:txBody>
+          <a:bodyPr rtlCol="0" anchor="ctr"/>
+          <a:lstStyle/>
+          <a:p>
+            <a:pPr algn="ctr"/>
+            <a:r>
+              <a:rPr lang="en-US" dirty="0">
+                <a:latin typeface="Lato" panose="020F0502020204030203" pitchFamily="34" charset="0"/>
+                <a:ea typeface="Lato" panose="020F0502020204030203" pitchFamily="34" charset="0"/>
+                <a:cs typeface="Lato" panose="020F0502020204030203" pitchFamily="34" charset="0"/>
+              </a:rPr>
+              <a:t>Response Y</a:t>
+            </a:r>
+          </a:p>
+        </p:txBody>
+      </p:sp>
+      <mc:AlternateContent xmlns:mc="http://schemas.openxmlformats.org/markup-compatibility/2006" xmlns:a14="http://schemas.microsoft.com/office/drawing/2010/main">
+        <mc:Choice Requires="a14">
+          <p:sp>
+            <p:nvSpPr>
+              <p:cNvPr id="6" name="Oval 5">
+                <a:extLst>
+                  <a:ext uri="{FF2B5EF4-FFF2-40B4-BE49-F238E27FC236}">
+                    <a16:creationId xmlns:a16="http://schemas.microsoft.com/office/drawing/2014/main" id="{F7A72C2C-99FA-634D-97C1-C5B60AFDE00C}"/>
+                  </a:ext>
+                </a:extLst>
+              </p:cNvPr>
+              <p:cNvSpPr/>
+              <p:nvPr/>
+            </p:nvSpPr>
+            <p:spPr>
+              <a:xfrm>
+                <a:off x="5654339" y="4705483"/>
+                <a:ext cx="1828800" cy="1828800"/>
+              </a:xfrm>
+              <a:prstGeom prst="ellipse">
+                <a:avLst/>
+              </a:prstGeom>
+              <a:solidFill>
+                <a:schemeClr val="tx1"/>
+              </a:solidFill>
+              <a:ln>
+                <a:solidFill>
+                  <a:schemeClr val="tx1"/>
+                </a:solidFill>
+              </a:ln>
+            </p:spPr>
+            <p:style>
+              <a:lnRef idx="2">
+                <a:schemeClr val="accent1">
+                  <a:shade val="50000"/>
+                </a:schemeClr>
+              </a:lnRef>
+              <a:fillRef idx="1">
+                <a:schemeClr val="accent1"/>
+              </a:fillRef>
+              <a:effectRef idx="0">
+                <a:schemeClr val="accent1"/>
+              </a:effectRef>
+              <a:fontRef idx="minor">
+                <a:schemeClr val="lt1"/>
+              </a:fontRef>
+            </p:style>
+            <p:txBody>
+              <a:bodyPr rtlCol="0" anchor="ctr"/>
+              <a:lstStyle/>
+              <a:p>
+                <a:pPr algn="ctr"/>
+                <a:r>
+                  <a:rPr lang="en-US" dirty="0">
+                    <a:latin typeface="Lato" panose="020F0502020204030203" pitchFamily="34" charset="0"/>
+                    <a:ea typeface="Lato" panose="020F0502020204030203" pitchFamily="34" charset="0"/>
+                    <a:cs typeface="Lato" panose="020F0502020204030203" pitchFamily="34" charset="0"/>
+                  </a:rPr>
+                  <a:t>Policy Estimate </a:t>
+                </a:r>
+                <a14:m>
+                  <m:oMath xmlns:m="http://schemas.openxmlformats.org/officeDocument/2006/math">
+                    <m:acc>
+                      <m:accPr>
+                        <m:chr m:val="̂"/>
+                        <m:ctrlPr>
+                          <a:rPr lang="de-DE" b="0" i="1" smtClean="0">
+                            <a:latin typeface="Cambria Math" panose="02040503050406030204" pitchFamily="18" charset="0"/>
+                            <a:ea typeface="Lato" panose="020F0502020204030203" pitchFamily="34" charset="0"/>
+                            <a:cs typeface="Lato" panose="020F0502020204030203" pitchFamily="34" charset="0"/>
+                          </a:rPr>
+                        </m:ctrlPr>
+                      </m:accPr>
+                      <m:e>
+                        <m:r>
+                          <a:rPr lang="de-DE" b="0" i="1" smtClean="0">
+                            <a:latin typeface="Cambria Math" panose="02040503050406030204" pitchFamily="18" charset="0"/>
+                            <a:ea typeface="Lato" panose="020F0502020204030203" pitchFamily="34" charset="0"/>
+                            <a:cs typeface="Lato" panose="020F0502020204030203" pitchFamily="34" charset="0"/>
+                          </a:rPr>
+                          <m:t>𝑃</m:t>
+                        </m:r>
+                      </m:e>
+                    </m:acc>
+                  </m:oMath>
+                </a14:m>
+                <a:endParaRPr lang="en-US" dirty="0">
+                  <a:latin typeface="Lato" panose="020F0502020204030203" pitchFamily="34" charset="0"/>
+                  <a:ea typeface="Lato" panose="020F0502020204030203" pitchFamily="34" charset="0"/>
+                  <a:cs typeface="Lato" panose="020F0502020204030203" pitchFamily="34" charset="0"/>
+                </a:endParaRPr>
+              </a:p>
+            </p:txBody>
+          </p:sp>
+        </mc:Choice>
+        <mc:Fallback xmlns="">
+          <p:sp>
+            <p:nvSpPr>
+              <p:cNvPr id="6" name="Oval 5">
+                <a:extLst>
+                  <a:ext uri="{FF2B5EF4-FFF2-40B4-BE49-F238E27FC236}">
+                    <a16:creationId xmlns:a16="http://schemas.microsoft.com/office/drawing/2014/main" id="{F7A72C2C-99FA-634D-97C1-C5B60AFDE00C}"/>
+                  </a:ext>
+                </a:extLst>
+              </p:cNvPr>
+              <p:cNvSpPr>
+                <a:spLocks noRot="1" noChangeAspect="1" noMove="1" noResize="1" noEditPoints="1" noAdjustHandles="1" noChangeArrowheads="1" noChangeShapeType="1" noTextEdit="1"/>
+              </p:cNvSpPr>
+              <p:nvPr/>
+            </p:nvSpPr>
+            <p:spPr>
+              <a:xfrm>
+                <a:off x="5654339" y="4705483"/>
+                <a:ext cx="1828800" cy="1828800"/>
+              </a:xfrm>
+              <a:prstGeom prst="ellipse">
+                <a:avLst/>
+              </a:prstGeom>
+              <a:blipFill>
+                <a:blip r:embed="rId2"/>
+                <a:stretch>
+                  <a:fillRect/>
+                </a:stretch>
+              </a:blipFill>
+              <a:ln>
+                <a:solidFill>
+                  <a:schemeClr val="tx1"/>
+                </a:solidFill>
+              </a:ln>
+            </p:spPr>
+            <p:txBody>
+              <a:bodyPr/>
+              <a:lstStyle/>
+              <a:p>
+                <a:r>
+                  <a:rPr lang="en-US">
+                    <a:noFill/>
+                  </a:rPr>
+                  <a:t> </a:t>
+                </a:r>
+              </a:p>
+            </p:txBody>
+          </p:sp>
+        </mc:Fallback>
+      </mc:AlternateContent>
+      <p:sp>
+        <p:nvSpPr>
+          <p:cNvPr id="7" name="Oval 6">
+            <a:extLst>
+              <a:ext uri="{FF2B5EF4-FFF2-40B4-BE49-F238E27FC236}">
+                <a16:creationId xmlns:a16="http://schemas.microsoft.com/office/drawing/2014/main" id="{8C7D4428-80D2-A24B-8934-6C0A655C6D9A}"/>
+              </a:ext>
+            </a:extLst>
+          </p:cNvPr>
+          <p:cNvSpPr/>
+          <p:nvPr/>
+        </p:nvSpPr>
+        <p:spPr>
+          <a:xfrm>
+            <a:off x="886775" y="4705483"/>
+            <a:ext cx="1828800" cy="1828800"/>
+          </a:xfrm>
+          <a:prstGeom prst="ellipse">
+            <a:avLst/>
+          </a:prstGeom>
+          <a:solidFill>
+            <a:schemeClr val="tx1"/>
+          </a:solidFill>
+          <a:ln>
+            <a:solidFill>
+              <a:schemeClr val="tx1"/>
+            </a:solidFill>
+          </a:ln>
+        </p:spPr>
+        <p:style>
+          <a:lnRef idx="2">
+            <a:schemeClr val="accent1">
+              <a:shade val="50000"/>
+            </a:schemeClr>
+          </a:lnRef>
+          <a:fillRef idx="1">
+            <a:schemeClr val="accent1"/>
+          </a:fillRef>
+          <a:effectRef idx="0">
+            <a:schemeClr val="accent1"/>
+          </a:effectRef>
+          <a:fontRef idx="minor">
+            <a:schemeClr val="lt1"/>
+          </a:fontRef>
+        </p:style>
+        <p:txBody>
+          <a:bodyPr rtlCol="0" anchor="ctr"/>
+          <a:lstStyle/>
+          <a:p>
+            <a:pPr algn="ctr"/>
+            <a:r>
+              <a:rPr lang="en-US" dirty="0">
+                <a:latin typeface="Lato" panose="020F0502020204030203" pitchFamily="34" charset="0"/>
+                <a:ea typeface="Lato" panose="020F0502020204030203" pitchFamily="34" charset="0"/>
+                <a:cs typeface="Lato" panose="020F0502020204030203" pitchFamily="34" charset="0"/>
+              </a:rPr>
+              <a:t>Instrument Z</a:t>
+            </a:r>
+          </a:p>
+        </p:txBody>
+      </p:sp>
+      <p:sp>
+        <p:nvSpPr>
+          <p:cNvPr id="8" name="Oval 7">
+            <a:extLst>
+              <a:ext uri="{FF2B5EF4-FFF2-40B4-BE49-F238E27FC236}">
+                <a16:creationId xmlns:a16="http://schemas.microsoft.com/office/drawing/2014/main" id="{77186709-2535-0B40-A20F-D4700A47B08E}"/>
+              </a:ext>
+            </a:extLst>
+          </p:cNvPr>
+          <p:cNvSpPr/>
+          <p:nvPr/>
+        </p:nvSpPr>
+        <p:spPr>
+          <a:xfrm>
+            <a:off x="9767849" y="2942004"/>
+            <a:ext cx="1828800" cy="1828800"/>
+          </a:xfrm>
+          <a:prstGeom prst="ellipse">
+            <a:avLst/>
+          </a:prstGeom>
+          <a:solidFill>
+            <a:schemeClr val="tx1"/>
+          </a:solidFill>
+          <a:ln>
+            <a:solidFill>
+              <a:schemeClr val="tx1"/>
+            </a:solidFill>
+          </a:ln>
+        </p:spPr>
+        <p:style>
+          <a:lnRef idx="2">
+            <a:schemeClr val="accent1">
+              <a:shade val="50000"/>
+            </a:schemeClr>
+          </a:lnRef>
+          <a:fillRef idx="1">
+            <a:schemeClr val="accent1"/>
+          </a:fillRef>
+          <a:effectRef idx="0">
+            <a:schemeClr val="accent1"/>
+          </a:effectRef>
+          <a:fontRef idx="minor">
+            <a:schemeClr val="lt1"/>
+          </a:fontRef>
+        </p:style>
+        <p:txBody>
+          <a:bodyPr rtlCol="0" anchor="ctr"/>
+          <a:lstStyle/>
+          <a:p>
+            <a:pPr algn="ctr"/>
+            <a:r>
+              <a:rPr lang="en-US" dirty="0">
+                <a:latin typeface="Lato" panose="020F0502020204030203" pitchFamily="34" charset="0"/>
+                <a:ea typeface="Lato" panose="020F0502020204030203" pitchFamily="34" charset="0"/>
+                <a:cs typeface="Lato" panose="020F0502020204030203" pitchFamily="34" charset="0"/>
+              </a:rPr>
+              <a:t>Con-founding e</a:t>
+            </a:r>
+          </a:p>
+        </p:txBody>
+      </p:sp>
+      <p:cxnSp>
+        <p:nvCxnSpPr>
+          <p:cNvPr id="10" name="Straight Arrow Connector 9">
+            <a:extLst>
+              <a:ext uri="{FF2B5EF4-FFF2-40B4-BE49-F238E27FC236}">
+                <a16:creationId xmlns:a16="http://schemas.microsoft.com/office/drawing/2014/main" id="{C0ECDA35-FD2D-6F49-9B2F-D7304B92771E}"/>
+              </a:ext>
+            </a:extLst>
+          </p:cNvPr>
+          <p:cNvCxnSpPr>
+            <a:stCxn id="4" idx="5"/>
+            <a:endCxn id="6" idx="2"/>
+          </p:cNvCxnSpPr>
+          <p:nvPr/>
+        </p:nvCxnSpPr>
+        <p:spPr>
+          <a:xfrm>
+            <a:off x="2447753" y="2670641"/>
+            <a:ext cx="3206586" cy="2949242"/>
+          </a:xfrm>
+          <a:prstGeom prst="straightConnector1">
+            <a:avLst/>
+          </a:prstGeom>
+          <a:ln w="101600">
+            <a:solidFill>
+              <a:schemeClr val="tx1"/>
+            </a:solidFill>
+            <a:tailEnd type="triangle"/>
+          </a:ln>
+        </p:spPr>
+        <p:style>
+          <a:lnRef idx="1">
+            <a:schemeClr val="accent1"/>
+          </a:lnRef>
+          <a:fillRef idx="0">
+            <a:schemeClr val="accent1"/>
+          </a:fillRef>
+          <a:effectRef idx="0">
+            <a:schemeClr val="accent1"/>
+          </a:effectRef>
+          <a:fontRef idx="minor">
+            <a:schemeClr val="tx1"/>
+          </a:fontRef>
+        </p:style>
+      </p:cxnSp>
+      <p:cxnSp>
+        <p:nvCxnSpPr>
+          <p:cNvPr id="12" name="Straight Arrow Connector 11">
+            <a:extLst>
+              <a:ext uri="{FF2B5EF4-FFF2-40B4-BE49-F238E27FC236}">
+                <a16:creationId xmlns:a16="http://schemas.microsoft.com/office/drawing/2014/main" id="{4F3E28F1-A8B0-9341-8BF4-813C909B1B96}"/>
+              </a:ext>
+            </a:extLst>
+          </p:cNvPr>
+          <p:cNvCxnSpPr>
+            <a:cxnSpLocks/>
+            <a:stCxn id="4" idx="6"/>
+            <a:endCxn id="5" idx="2"/>
+          </p:cNvCxnSpPr>
+          <p:nvPr/>
+        </p:nvCxnSpPr>
+        <p:spPr>
+          <a:xfrm>
+            <a:off x="2715575" y="2024063"/>
+            <a:ext cx="2938119" cy="0"/>
+          </a:xfrm>
+          <a:prstGeom prst="straightConnector1">
+            <a:avLst/>
+          </a:prstGeom>
+          <a:ln w="101600">
+            <a:solidFill>
+              <a:schemeClr val="tx1"/>
+            </a:solidFill>
+            <a:tailEnd type="triangle"/>
+          </a:ln>
+        </p:spPr>
+        <p:style>
+          <a:lnRef idx="1">
+            <a:schemeClr val="accent1"/>
+          </a:lnRef>
+          <a:fillRef idx="0">
+            <a:schemeClr val="accent1"/>
+          </a:fillRef>
+          <a:effectRef idx="0">
+            <a:schemeClr val="accent1"/>
+          </a:effectRef>
+          <a:fontRef idx="minor">
+            <a:schemeClr val="tx1"/>
+          </a:fontRef>
+        </p:style>
+      </p:cxnSp>
+      <p:cxnSp>
+        <p:nvCxnSpPr>
+          <p:cNvPr id="14" name="Straight Arrow Connector 13">
+            <a:extLst>
+              <a:ext uri="{FF2B5EF4-FFF2-40B4-BE49-F238E27FC236}">
+                <a16:creationId xmlns:a16="http://schemas.microsoft.com/office/drawing/2014/main" id="{95089A92-80D4-DC4D-A879-675C8B1027E8}"/>
+              </a:ext>
+            </a:extLst>
+          </p:cNvPr>
+          <p:cNvCxnSpPr>
+            <a:stCxn id="7" idx="6"/>
+            <a:endCxn id="6" idx="2"/>
+          </p:cNvCxnSpPr>
+          <p:nvPr/>
+        </p:nvCxnSpPr>
+        <p:spPr>
+          <a:xfrm>
+            <a:off x="2715575" y="5619883"/>
+            <a:ext cx="2938764" cy="0"/>
+          </a:xfrm>
+          <a:prstGeom prst="straightConnector1">
+            <a:avLst/>
+          </a:prstGeom>
+          <a:ln w="101600">
+            <a:solidFill>
+              <a:schemeClr val="tx1"/>
+            </a:solidFill>
+            <a:tailEnd type="triangle"/>
+          </a:ln>
+        </p:spPr>
+        <p:style>
+          <a:lnRef idx="1">
+            <a:schemeClr val="accent1"/>
+          </a:lnRef>
+          <a:fillRef idx="0">
+            <a:schemeClr val="accent1"/>
+          </a:fillRef>
+          <a:effectRef idx="0">
+            <a:schemeClr val="accent1"/>
+          </a:effectRef>
+          <a:fontRef idx="minor">
+            <a:schemeClr val="tx1"/>
+          </a:fontRef>
+        </p:style>
+      </p:cxnSp>
+      <p:cxnSp>
+        <p:nvCxnSpPr>
+          <p:cNvPr id="16" name="Straight Arrow Connector 15">
+            <a:extLst>
+              <a:ext uri="{FF2B5EF4-FFF2-40B4-BE49-F238E27FC236}">
+                <a16:creationId xmlns:a16="http://schemas.microsoft.com/office/drawing/2014/main" id="{61BF0F15-1A9B-2646-8342-406308E25B01}"/>
+              </a:ext>
+            </a:extLst>
+          </p:cNvPr>
+          <p:cNvCxnSpPr>
+            <a:stCxn id="6" idx="0"/>
+            <a:endCxn id="5" idx="4"/>
+          </p:cNvCxnSpPr>
+          <p:nvPr/>
+        </p:nvCxnSpPr>
+        <p:spPr>
+          <a:xfrm flipH="1" flipV="1">
+            <a:off x="6568094" y="2938463"/>
+            <a:ext cx="645" cy="1767020"/>
+          </a:xfrm>
+          <a:prstGeom prst="straightConnector1">
+            <a:avLst/>
+          </a:prstGeom>
+          <a:ln w="101600">
+            <a:solidFill>
+              <a:schemeClr val="tx1"/>
+            </a:solidFill>
+            <a:tailEnd type="triangle"/>
+          </a:ln>
+        </p:spPr>
+        <p:style>
+          <a:lnRef idx="1">
+            <a:schemeClr val="accent1"/>
+          </a:lnRef>
+          <a:fillRef idx="0">
+            <a:schemeClr val="accent1"/>
+          </a:fillRef>
+          <a:effectRef idx="0">
+            <a:schemeClr val="accent1"/>
+          </a:effectRef>
+          <a:fontRef idx="minor">
+            <a:schemeClr val="tx1"/>
+          </a:fontRef>
+        </p:style>
+      </p:cxnSp>
+      <p:cxnSp>
+        <p:nvCxnSpPr>
+          <p:cNvPr id="18" name="Straight Arrow Connector 17">
+            <a:extLst>
+              <a:ext uri="{FF2B5EF4-FFF2-40B4-BE49-F238E27FC236}">
+                <a16:creationId xmlns:a16="http://schemas.microsoft.com/office/drawing/2014/main" id="{73E639A7-C43E-F644-8DFC-D6D0B46D1E9E}"/>
+              </a:ext>
+            </a:extLst>
+          </p:cNvPr>
+          <p:cNvCxnSpPr>
+            <a:cxnSpLocks/>
+            <a:stCxn id="8" idx="2"/>
+            <a:endCxn id="5" idx="6"/>
+          </p:cNvCxnSpPr>
+          <p:nvPr/>
+        </p:nvCxnSpPr>
+        <p:spPr>
+          <a:xfrm flipH="1" flipV="1">
+            <a:off x="7482494" y="2024063"/>
+            <a:ext cx="2285355" cy="1832341"/>
+          </a:xfrm>
+          <a:prstGeom prst="straightConnector1">
+            <a:avLst/>
+          </a:prstGeom>
+          <a:ln w="101600">
+            <a:solidFill>
+              <a:schemeClr val="tx1"/>
+            </a:solidFill>
+            <a:prstDash val="dash"/>
+            <a:tailEnd type="triangle"/>
+          </a:ln>
+        </p:spPr>
+        <p:style>
+          <a:lnRef idx="1">
+            <a:schemeClr val="accent1"/>
+          </a:lnRef>
+          <a:fillRef idx="0">
+            <a:schemeClr val="accent1"/>
+          </a:fillRef>
+          <a:effectRef idx="0">
+            <a:schemeClr val="accent1"/>
+          </a:effectRef>
+          <a:fontRef idx="minor">
+            <a:schemeClr val="tx1"/>
+          </a:fontRef>
+        </p:style>
+      </p:cxnSp>
+      <p:cxnSp>
+        <p:nvCxnSpPr>
+          <p:cNvPr id="20" name="Straight Arrow Connector 19">
+            <a:extLst>
+              <a:ext uri="{FF2B5EF4-FFF2-40B4-BE49-F238E27FC236}">
+                <a16:creationId xmlns:a16="http://schemas.microsoft.com/office/drawing/2014/main" id="{71213DAD-8E93-3D4A-978F-ED6E4D8C8E15}"/>
+              </a:ext>
+            </a:extLst>
+          </p:cNvPr>
+          <p:cNvCxnSpPr>
+            <a:cxnSpLocks/>
+            <a:stCxn id="8" idx="2"/>
+            <a:endCxn id="6" idx="6"/>
+          </p:cNvCxnSpPr>
+          <p:nvPr/>
+        </p:nvCxnSpPr>
+        <p:spPr>
+          <a:xfrm flipH="1">
+            <a:off x="7483139" y="3856404"/>
+            <a:ext cx="2284710" cy="1763479"/>
+          </a:xfrm>
+          <a:prstGeom prst="straightConnector1">
+            <a:avLst/>
+          </a:prstGeom>
+          <a:ln w="101600">
+            <a:solidFill>
+              <a:schemeClr val="tx1"/>
+            </a:solidFill>
+            <a:prstDash val="dash"/>
+            <a:tailEnd type="triangle"/>
+          </a:ln>
+        </p:spPr>
+        <p:style>
+          <a:lnRef idx="1">
+            <a:schemeClr val="accent1"/>
+          </a:lnRef>
+          <a:fillRef idx="0">
+            <a:schemeClr val="accent1"/>
+          </a:fillRef>
+          <a:effectRef idx="0">
+            <a:schemeClr val="accent1"/>
+          </a:effectRef>
+          <a:fontRef idx="minor">
+            <a:schemeClr val="tx1"/>
+          </a:fontRef>
+        </p:style>
+      </p:cxnSp>
+      <p:sp>
+        <p:nvSpPr>
+          <p:cNvPr id="2" name="Multiply 1">
+            <a:extLst>
+              <a:ext uri="{FF2B5EF4-FFF2-40B4-BE49-F238E27FC236}">
+                <a16:creationId xmlns:a16="http://schemas.microsoft.com/office/drawing/2014/main" id="{7AA39C77-A732-324B-A657-DC3F25803C30}"/>
+              </a:ext>
+            </a:extLst>
+          </p:cNvPr>
+          <p:cNvSpPr/>
+          <p:nvPr/>
+        </p:nvSpPr>
+        <p:spPr>
+          <a:xfrm>
+            <a:off x="2715575" y="3009824"/>
+            <a:ext cx="1709782" cy="1489617"/>
+          </a:xfrm>
+          <a:prstGeom prst="mathMultiply">
+            <a:avLst>
+              <a:gd name="adj1" fmla="val 11215"/>
+            </a:avLst>
+          </a:prstGeom>
+          <a:solidFill>
+            <a:srgbClr val="FF0000"/>
+          </a:solidFill>
+          <a:ln>
+            <a:solidFill>
+              <a:srgbClr val="FF0000"/>
+            </a:solidFill>
+          </a:ln>
+        </p:spPr>
+        <p:style>
+          <a:lnRef idx="2">
+            <a:schemeClr val="accent1">
+              <a:shade val="50000"/>
+            </a:schemeClr>
+          </a:lnRef>
+          <a:fillRef idx="1">
+            <a:schemeClr val="accent1"/>
+          </a:fillRef>
+          <a:effectRef idx="0">
+            <a:schemeClr val="accent1"/>
+          </a:effectRef>
+          <a:fontRef idx="minor">
+            <a:schemeClr val="lt1"/>
+          </a:fontRef>
+        </p:style>
+        <p:txBody>
+          <a:bodyPr rtlCol="0" anchor="ctr"/>
+          <a:lstStyle/>
+          <a:p>
+            <a:pPr algn="ctr"/>
+            <a:endParaRPr lang="en-US"/>
+          </a:p>
+        </p:txBody>
+      </p:sp>
+      <p:sp>
+        <p:nvSpPr>
+          <p:cNvPr id="15" name="Multiply 14">
+            <a:extLst>
+              <a:ext uri="{FF2B5EF4-FFF2-40B4-BE49-F238E27FC236}">
+                <a16:creationId xmlns:a16="http://schemas.microsoft.com/office/drawing/2014/main" id="{BB51613D-73D1-F34D-B59E-D70F8023564D}"/>
+              </a:ext>
+            </a:extLst>
+          </p:cNvPr>
+          <p:cNvSpPr/>
+          <p:nvPr/>
+        </p:nvSpPr>
+        <p:spPr>
+          <a:xfrm>
+            <a:off x="7839303" y="3960674"/>
+            <a:ext cx="1709782" cy="1489617"/>
+          </a:xfrm>
+          <a:prstGeom prst="mathMultiply">
+            <a:avLst>
+              <a:gd name="adj1" fmla="val 11215"/>
+            </a:avLst>
+          </a:prstGeom>
+          <a:solidFill>
+            <a:srgbClr val="FF0000"/>
+          </a:solidFill>
+          <a:ln>
+            <a:solidFill>
+              <a:srgbClr val="FF0000"/>
+            </a:solidFill>
+          </a:ln>
+        </p:spPr>
+        <p:style>
+          <a:lnRef idx="2">
+            <a:schemeClr val="accent1">
+              <a:shade val="50000"/>
+            </a:schemeClr>
+          </a:lnRef>
+          <a:fillRef idx="1">
+            <a:schemeClr val="accent1"/>
+          </a:fillRef>
+          <a:effectRef idx="0">
+            <a:schemeClr val="accent1"/>
+          </a:effectRef>
+          <a:fontRef idx="minor">
+            <a:schemeClr val="lt1"/>
+          </a:fontRef>
+        </p:style>
+        <p:txBody>
+          <a:bodyPr rtlCol="0" anchor="ctr"/>
+          <a:lstStyle/>
+          <a:p>
+            <a:pPr algn="ctr"/>
+            <a:endParaRPr lang="en-US"/>
+          </a:p>
+        </p:txBody>
+      </p:sp>
+      <mc:AlternateContent xmlns:mc="http://schemas.openxmlformats.org/markup-compatibility/2006" xmlns:a14="http://schemas.microsoft.com/office/drawing/2010/main">
+        <mc:Choice Requires="a14">
+          <p:sp>
+            <p:nvSpPr>
+              <p:cNvPr id="3" name="TextBox 2">
+                <a:extLst>
+                  <a:ext uri="{FF2B5EF4-FFF2-40B4-BE49-F238E27FC236}">
+                    <a16:creationId xmlns:a16="http://schemas.microsoft.com/office/drawing/2014/main" id="{ED325F7F-56AC-3A43-82E4-FC627BA0C766}"/>
+                  </a:ext>
+                </a:extLst>
+              </p:cNvPr>
+              <p:cNvSpPr txBox="1"/>
+              <p:nvPr/>
+            </p:nvSpPr>
+            <p:spPr>
+              <a:xfrm>
+                <a:off x="2350125" y="6233192"/>
+                <a:ext cx="3646255" cy="461665"/>
+              </a:xfrm>
+              <a:prstGeom prst="rect">
+                <a:avLst/>
+              </a:prstGeom>
+              <a:noFill/>
+            </p:spPr>
+            <p:txBody>
+              <a:bodyPr wrap="none" rtlCol="0">
+                <a:spAutoFit/>
+              </a:bodyPr>
+              <a:lstStyle/>
+              <a:p>
+                <a:r>
+                  <a:rPr lang="en-US" sz="2400" dirty="0"/>
+                  <a:t>Linear Regression </a:t>
+                </a:r>
+                <a14:m>
+                  <m:oMath xmlns:m="http://schemas.openxmlformats.org/officeDocument/2006/math">
+                    <m:acc>
+                      <m:accPr>
+                        <m:chr m:val="̂"/>
+                        <m:ctrlPr>
+                          <a:rPr lang="de-DE" sz="2400" b="0" i="1" smtClean="0">
+                            <a:latin typeface="Cambria Math" panose="02040503050406030204" pitchFamily="18" charset="0"/>
+                          </a:rPr>
+                        </m:ctrlPr>
+                      </m:accPr>
+                      <m:e>
+                        <m:r>
+                          <a:rPr lang="de-DE" sz="2400" b="0" i="1" smtClean="0">
+                            <a:latin typeface="Cambria Math" panose="02040503050406030204" pitchFamily="18" charset="0"/>
+                          </a:rPr>
+                          <m:t>𝑝</m:t>
+                        </m:r>
+                      </m:e>
+                    </m:acc>
+                    <m:r>
+                      <a:rPr lang="de-DE" sz="2400" b="0" i="1" dirty="0" smtClean="0">
+                        <a:latin typeface="Cambria Math" panose="02040503050406030204" pitchFamily="18" charset="0"/>
+                      </a:rPr>
+                      <m:t>=</m:t>
+                    </m:r>
+                    <m:r>
+                      <a:rPr lang="de-DE" sz="2400" b="0" i="1" dirty="0" smtClean="0">
+                        <a:latin typeface="Cambria Math" panose="02040503050406030204" pitchFamily="18" charset="0"/>
+                      </a:rPr>
+                      <m:t>𝑓</m:t>
+                    </m:r>
+                    <m:r>
+                      <a:rPr lang="de-DE" sz="2400" b="0" i="1" dirty="0" smtClean="0">
+                        <a:latin typeface="Cambria Math" panose="02040503050406030204" pitchFamily="18" charset="0"/>
+                      </a:rPr>
+                      <m:t>(</m:t>
+                    </m:r>
+                    <m:r>
+                      <a:rPr lang="de-DE" sz="2400" b="0" i="1" dirty="0" smtClean="0">
+                        <a:latin typeface="Cambria Math" panose="02040503050406030204" pitchFamily="18" charset="0"/>
+                      </a:rPr>
+                      <m:t>𝑍</m:t>
+                    </m:r>
+                    <m:r>
+                      <a:rPr lang="de-DE" sz="2400" b="0" i="1" dirty="0" smtClean="0">
+                        <a:latin typeface="Cambria Math" panose="02040503050406030204" pitchFamily="18" charset="0"/>
+                      </a:rPr>
+                      <m:t>)</m:t>
+                    </m:r>
+                  </m:oMath>
+                </a14:m>
+                <a:endParaRPr lang="en-US" sz="2400" dirty="0"/>
+              </a:p>
+            </p:txBody>
+          </p:sp>
+        </mc:Choice>
+        <mc:Fallback xmlns="">
+          <p:sp>
+            <p:nvSpPr>
+              <p:cNvPr id="3" name="TextBox 2">
+                <a:extLst>
+                  <a:ext uri="{FF2B5EF4-FFF2-40B4-BE49-F238E27FC236}">
+                    <a16:creationId xmlns:a16="http://schemas.microsoft.com/office/drawing/2014/main" id="{ED325F7F-56AC-3A43-82E4-FC627BA0C766}"/>
+                  </a:ext>
+                </a:extLst>
+              </p:cNvPr>
+              <p:cNvSpPr txBox="1">
+                <a:spLocks noRot="1" noChangeAspect="1" noMove="1" noResize="1" noEditPoints="1" noAdjustHandles="1" noChangeArrowheads="1" noChangeShapeType="1" noTextEdit="1"/>
+              </p:cNvSpPr>
+              <p:nvPr/>
+            </p:nvSpPr>
+            <p:spPr>
+              <a:xfrm>
+                <a:off x="2350125" y="6233192"/>
+                <a:ext cx="3646255" cy="461665"/>
+              </a:xfrm>
+              <a:prstGeom prst="rect">
+                <a:avLst/>
+              </a:prstGeom>
+              <a:blipFill>
+                <a:blip r:embed="rId3"/>
+                <a:stretch>
+                  <a:fillRect l="-2431" t="-8108" r="-347" b="-29730"/>
+                </a:stretch>
+              </a:blipFill>
+            </p:spPr>
+            <p:txBody>
+              <a:bodyPr/>
+              <a:lstStyle/>
+              <a:p>
+                <a:r>
+                  <a:rPr lang="en-US">
+                    <a:noFill/>
+                  </a:rPr>
+                  <a:t> </a:t>
+                </a:r>
+              </a:p>
+            </p:txBody>
+          </p:sp>
+        </mc:Fallback>
+      </mc:AlternateContent>
+      <mc:AlternateContent xmlns:mc="http://schemas.openxmlformats.org/markup-compatibility/2006" xmlns:a14="http://schemas.microsoft.com/office/drawing/2010/main">
+        <mc:Choice Requires="a14">
+          <p:sp>
+            <p:nvSpPr>
+              <p:cNvPr id="23" name="TextBox 22">
+                <a:extLst>
+                  <a:ext uri="{FF2B5EF4-FFF2-40B4-BE49-F238E27FC236}">
+                    <a16:creationId xmlns:a16="http://schemas.microsoft.com/office/drawing/2014/main" id="{B5DA577D-1A20-D442-95B6-F775D2BC9DBE}"/>
+                  </a:ext>
+                </a:extLst>
+              </p:cNvPr>
+              <p:cNvSpPr txBox="1"/>
+              <p:nvPr/>
+            </p:nvSpPr>
+            <p:spPr>
+              <a:xfrm>
+                <a:off x="7260304" y="709238"/>
+                <a:ext cx="3933256" cy="461665"/>
+              </a:xfrm>
+              <a:prstGeom prst="rect">
+                <a:avLst/>
+              </a:prstGeom>
+              <a:noFill/>
+            </p:spPr>
+            <p:txBody>
+              <a:bodyPr wrap="none" rtlCol="0">
+                <a:spAutoFit/>
+              </a:bodyPr>
+              <a:lstStyle/>
+              <a:p>
+                <a:r>
+                  <a:rPr lang="en-US" sz="2400" dirty="0"/>
+                  <a:t>Linear Regression </a:t>
+                </a:r>
+                <a14:m>
+                  <m:oMath xmlns:m="http://schemas.openxmlformats.org/officeDocument/2006/math">
+                    <m:acc>
+                      <m:accPr>
+                        <m:chr m:val="̂"/>
+                        <m:ctrlPr>
+                          <a:rPr lang="de-DE" sz="2400" b="0" i="1" smtClean="0">
+                            <a:latin typeface="Cambria Math" panose="02040503050406030204" pitchFamily="18" charset="0"/>
+                          </a:rPr>
+                        </m:ctrlPr>
+                      </m:accPr>
+                      <m:e>
+                        <m:r>
+                          <a:rPr lang="de-DE" sz="2400" b="0" i="1" smtClean="0">
+                            <a:latin typeface="Cambria Math" panose="02040503050406030204" pitchFamily="18" charset="0"/>
+                          </a:rPr>
+                          <m:t>𝑦</m:t>
+                        </m:r>
+                      </m:e>
+                    </m:acc>
+                    <m:r>
+                      <a:rPr lang="de-DE" sz="2400" b="0" i="1" dirty="0" smtClean="0">
+                        <a:latin typeface="Cambria Math" panose="02040503050406030204" pitchFamily="18" charset="0"/>
+                      </a:rPr>
+                      <m:t>=</m:t>
+                    </m:r>
+                    <m:r>
+                      <a:rPr lang="de-DE" sz="2400" b="0" i="1" dirty="0" smtClean="0">
+                        <a:latin typeface="Cambria Math" panose="02040503050406030204" pitchFamily="18" charset="0"/>
+                      </a:rPr>
+                      <m:t>𝑔</m:t>
+                    </m:r>
+                    <m:r>
+                      <a:rPr lang="de-DE" sz="2400" b="0" i="1" dirty="0" smtClean="0">
+                        <a:latin typeface="Cambria Math" panose="02040503050406030204" pitchFamily="18" charset="0"/>
+                      </a:rPr>
+                      <m:t>(</m:t>
+                    </m:r>
+                    <m:r>
+                      <a:rPr lang="de-DE" sz="2400" b="0" i="1" dirty="0" smtClean="0">
+                        <a:latin typeface="Cambria Math" panose="02040503050406030204" pitchFamily="18" charset="0"/>
+                      </a:rPr>
+                      <m:t>𝑥</m:t>
+                    </m:r>
+                    <m:r>
+                      <a:rPr lang="de-DE" sz="2400" b="0" i="1" dirty="0" smtClean="0">
+                        <a:latin typeface="Cambria Math" panose="02040503050406030204" pitchFamily="18" charset="0"/>
+                      </a:rPr>
+                      <m:t>,</m:t>
+                    </m:r>
+                    <m:acc>
+                      <m:accPr>
+                        <m:chr m:val="̂"/>
+                        <m:ctrlPr>
+                          <a:rPr lang="de-DE" sz="2400" b="0" i="1" dirty="0" smtClean="0">
+                            <a:latin typeface="Cambria Math" panose="02040503050406030204" pitchFamily="18" charset="0"/>
+                          </a:rPr>
+                        </m:ctrlPr>
+                      </m:accPr>
+                      <m:e>
+                        <m:r>
+                          <a:rPr lang="de-DE" sz="2400" b="0" i="1" dirty="0" smtClean="0">
+                            <a:latin typeface="Cambria Math" panose="02040503050406030204" pitchFamily="18" charset="0"/>
+                          </a:rPr>
+                          <m:t>𝑝</m:t>
+                        </m:r>
+                      </m:e>
+                    </m:acc>
+                    <m:r>
+                      <a:rPr lang="de-DE" sz="2400" b="0" i="1" dirty="0" smtClean="0">
+                        <a:latin typeface="Cambria Math" panose="02040503050406030204" pitchFamily="18" charset="0"/>
+                      </a:rPr>
+                      <m:t>)</m:t>
+                    </m:r>
+                  </m:oMath>
+                </a14:m>
+                <a:endParaRPr lang="en-US" sz="2400" dirty="0"/>
+              </a:p>
+            </p:txBody>
+          </p:sp>
+        </mc:Choice>
+        <mc:Fallback xmlns="">
+          <p:sp>
+            <p:nvSpPr>
+              <p:cNvPr id="23" name="TextBox 22">
+                <a:extLst>
+                  <a:ext uri="{FF2B5EF4-FFF2-40B4-BE49-F238E27FC236}">
+                    <a16:creationId xmlns:a16="http://schemas.microsoft.com/office/drawing/2014/main" id="{B5DA577D-1A20-D442-95B6-F775D2BC9DBE}"/>
+                  </a:ext>
+                </a:extLst>
+              </p:cNvPr>
+              <p:cNvSpPr txBox="1">
+                <a:spLocks noRot="1" noChangeAspect="1" noMove="1" noResize="1" noEditPoints="1" noAdjustHandles="1" noChangeArrowheads="1" noChangeShapeType="1" noTextEdit="1"/>
+              </p:cNvSpPr>
+              <p:nvPr/>
+            </p:nvSpPr>
+            <p:spPr>
+              <a:xfrm>
+                <a:off x="7260304" y="709238"/>
+                <a:ext cx="3933256" cy="461665"/>
+              </a:xfrm>
+              <a:prstGeom prst="rect">
+                <a:avLst/>
+              </a:prstGeom>
+              <a:blipFill>
+                <a:blip r:embed="rId4"/>
+                <a:stretch>
+                  <a:fillRect l="-2258" t="-8108" r="-323" b="-29730"/>
+                </a:stretch>
+              </a:blipFill>
+            </p:spPr>
+            <p:txBody>
+              <a:bodyPr/>
+              <a:lstStyle/>
+              <a:p>
+                <a:r>
+                  <a:rPr lang="en-US">
+                    <a:noFill/>
+                  </a:rPr>
+                  <a:t> </a:t>
+                </a:r>
+              </a:p>
+            </p:txBody>
+          </p:sp>
+        </mc:Fallback>
+      </mc:AlternateContent>
+    </p:spTree>
+    <p:extLst>
+      <p:ext uri="{BB962C8B-B14F-4D97-AF65-F5344CB8AC3E}">
+        <p14:creationId xmlns:p14="http://schemas.microsoft.com/office/powerpoint/2010/main" val="3523058196"/>
+      </p:ext>
+    </p:extLst>
+  </p:cSld>
+  <p:clrMapOvr>
+    <a:masterClrMapping/>
+  </p:clrMapOvr>
+</p:sld>
+</file>
+
+<file path=ppt/slides/slide3.xml><?xml version="1.0" encoding="utf-8"?>
+<p:sld xmlns:a="http://schemas.openxmlformats.org/drawingml/2006/main" xmlns:r="http://schemas.openxmlformats.org/officeDocument/2006/relationships" xmlns:p="http://schemas.openxmlformats.org/presentationml/2006/main">
+  <p:cSld>
+    <p:spTree>
+      <p:nvGrpSpPr>
+        <p:cNvPr id="1" name=""/>
+        <p:cNvGrpSpPr/>
+        <p:nvPr/>
+      </p:nvGrpSpPr>
+      <p:grpSpPr>
+        <a:xfrm>
+          <a:off x="0" y="0"/>
+          <a:ext cx="0" cy="0"/>
+          <a:chOff x="0" y="0"/>
+          <a:chExt cx="0" cy="0"/>
+        </a:xfrm>
+      </p:grpSpPr>
+      <p:sp>
+        <p:nvSpPr>
+          <p:cNvPr id="4" name="Oval 3">
+            <a:extLst>
+              <a:ext uri="{FF2B5EF4-FFF2-40B4-BE49-F238E27FC236}">
+                <a16:creationId xmlns:a16="http://schemas.microsoft.com/office/drawing/2014/main" id="{8BC5AB0C-C017-5645-BE63-97EAB1245EE5}"/>
+              </a:ext>
+            </a:extLst>
+          </p:cNvPr>
+          <p:cNvSpPr/>
+          <p:nvPr/>
+        </p:nvSpPr>
+        <p:spPr>
+          <a:xfrm>
+            <a:off x="220502" y="1109663"/>
+            <a:ext cx="1828800" cy="1828800"/>
+          </a:xfrm>
+          <a:prstGeom prst="ellipse">
+            <a:avLst/>
+          </a:prstGeom>
+          <a:solidFill>
+            <a:schemeClr val="tx1"/>
+          </a:solidFill>
+          <a:ln>
+            <a:solidFill>
+              <a:schemeClr val="tx1"/>
+            </a:solidFill>
+          </a:ln>
+        </p:spPr>
+        <p:style>
+          <a:lnRef idx="2">
+            <a:schemeClr val="accent1">
+              <a:shade val="50000"/>
+            </a:schemeClr>
+          </a:lnRef>
+          <a:fillRef idx="1">
+            <a:schemeClr val="accent1"/>
+          </a:fillRef>
+          <a:effectRef idx="0">
+            <a:schemeClr val="accent1"/>
+          </a:effectRef>
+          <a:fontRef idx="minor">
+            <a:schemeClr val="lt1"/>
+          </a:fontRef>
+        </p:style>
+        <p:txBody>
+          <a:bodyPr rtlCol="0" anchor="ctr"/>
+          <a:lstStyle/>
+          <a:p>
+            <a:pPr algn="ctr"/>
+            <a:r>
+              <a:rPr lang="en-US" dirty="0">
+                <a:latin typeface="Lato" panose="020F0502020204030203" pitchFamily="34" charset="0"/>
+                <a:ea typeface="Lato" panose="020F0502020204030203" pitchFamily="34" charset="0"/>
+                <a:cs typeface="Lato" panose="020F0502020204030203" pitchFamily="34" charset="0"/>
+              </a:rPr>
+              <a:t>Features X</a:t>
+            </a:r>
+          </a:p>
+        </p:txBody>
+      </p:sp>
+      <p:sp>
+        <p:nvSpPr>
+          <p:cNvPr id="5" name="Oval 4">
+            <a:extLst>
+              <a:ext uri="{FF2B5EF4-FFF2-40B4-BE49-F238E27FC236}">
+                <a16:creationId xmlns:a16="http://schemas.microsoft.com/office/drawing/2014/main" id="{C381DA1A-4CBA-0D44-9399-945DC5AAD5D1}"/>
+              </a:ext>
+            </a:extLst>
+          </p:cNvPr>
+          <p:cNvSpPr/>
+          <p:nvPr/>
+        </p:nvSpPr>
+        <p:spPr>
+          <a:xfrm>
+            <a:off x="5653694" y="1109663"/>
+            <a:ext cx="1828800" cy="1828800"/>
+          </a:xfrm>
+          <a:prstGeom prst="ellipse">
+            <a:avLst/>
+          </a:prstGeom>
+          <a:solidFill>
+            <a:schemeClr val="tx1"/>
+          </a:solidFill>
+          <a:ln>
+            <a:solidFill>
+              <a:schemeClr val="tx1"/>
+            </a:solidFill>
+          </a:ln>
+        </p:spPr>
+        <p:style>
+          <a:lnRef idx="2">
+            <a:schemeClr val="accent1">
+              <a:shade val="50000"/>
+            </a:schemeClr>
+          </a:lnRef>
+          <a:fillRef idx="1">
+            <a:schemeClr val="accent1"/>
+          </a:fillRef>
+          <a:effectRef idx="0">
+            <a:schemeClr val="accent1"/>
+          </a:effectRef>
+          <a:fontRef idx="minor">
+            <a:schemeClr val="lt1"/>
+          </a:fontRef>
+        </p:style>
+        <p:txBody>
+          <a:bodyPr rtlCol="0" anchor="ctr"/>
+          <a:lstStyle/>
+          <a:p>
+            <a:pPr algn="ctr"/>
+            <a:r>
+              <a:rPr lang="en-US" dirty="0">
+                <a:latin typeface="Lato" panose="020F0502020204030203" pitchFamily="34" charset="0"/>
+                <a:ea typeface="Lato" panose="020F0502020204030203" pitchFamily="34" charset="0"/>
+                <a:cs typeface="Lato" panose="020F0502020204030203" pitchFamily="34" charset="0"/>
+              </a:rPr>
+              <a:t>Response Y</a:t>
+            </a:r>
+          </a:p>
+        </p:txBody>
+      </p:sp>
+      <p:sp>
+        <p:nvSpPr>
+          <p:cNvPr id="6" name="Oval 5">
+            <a:extLst>
+              <a:ext uri="{FF2B5EF4-FFF2-40B4-BE49-F238E27FC236}">
+                <a16:creationId xmlns:a16="http://schemas.microsoft.com/office/drawing/2014/main" id="{F7A72C2C-99FA-634D-97C1-C5B60AFDE00C}"/>
+              </a:ext>
+            </a:extLst>
+          </p:cNvPr>
+          <p:cNvSpPr/>
+          <p:nvPr/>
+        </p:nvSpPr>
+        <p:spPr>
+          <a:xfrm>
+            <a:off x="5654339" y="4705483"/>
+            <a:ext cx="1828800" cy="1828800"/>
+          </a:xfrm>
+          <a:prstGeom prst="ellipse">
+            <a:avLst/>
+          </a:prstGeom>
+          <a:solidFill>
+            <a:schemeClr val="tx1"/>
+          </a:solidFill>
+          <a:ln>
+            <a:solidFill>
+              <a:schemeClr val="tx1"/>
+            </a:solidFill>
+          </a:ln>
+        </p:spPr>
+        <p:style>
+          <a:lnRef idx="2">
+            <a:schemeClr val="accent1">
+              <a:shade val="50000"/>
+            </a:schemeClr>
+          </a:lnRef>
+          <a:fillRef idx="1">
+            <a:schemeClr val="accent1"/>
+          </a:fillRef>
+          <a:effectRef idx="0">
+            <a:schemeClr val="accent1"/>
+          </a:effectRef>
+          <a:fontRef idx="minor">
+            <a:schemeClr val="lt1"/>
+          </a:fontRef>
+        </p:style>
+        <p:txBody>
+          <a:bodyPr rtlCol="0" anchor="ctr"/>
+          <a:lstStyle/>
+          <a:p>
+            <a:pPr algn="ctr"/>
+            <a:r>
+              <a:rPr lang="en-US" dirty="0">
+                <a:latin typeface="Lato" panose="020F0502020204030203" pitchFamily="34" charset="0"/>
+                <a:ea typeface="Lato" panose="020F0502020204030203" pitchFamily="34" charset="0"/>
+                <a:cs typeface="Lato" panose="020F0502020204030203" pitchFamily="34" charset="0"/>
+              </a:rPr>
+              <a:t>Policy P</a:t>
+            </a:r>
+          </a:p>
+        </p:txBody>
+      </p:sp>
+      <p:sp>
+        <p:nvSpPr>
+          <p:cNvPr id="7" name="Oval 6">
+            <a:extLst>
+              <a:ext uri="{FF2B5EF4-FFF2-40B4-BE49-F238E27FC236}">
+                <a16:creationId xmlns:a16="http://schemas.microsoft.com/office/drawing/2014/main" id="{8C7D4428-80D2-A24B-8934-6C0A655C6D9A}"/>
+              </a:ext>
+            </a:extLst>
+          </p:cNvPr>
+          <p:cNvSpPr/>
+          <p:nvPr/>
+        </p:nvSpPr>
+        <p:spPr>
+          <a:xfrm>
+            <a:off x="220502" y="4705483"/>
+            <a:ext cx="1828800" cy="1828800"/>
+          </a:xfrm>
+          <a:prstGeom prst="ellipse">
+            <a:avLst/>
+          </a:prstGeom>
+          <a:solidFill>
+            <a:schemeClr val="tx1"/>
+          </a:solidFill>
+          <a:ln>
+            <a:solidFill>
+              <a:schemeClr val="tx1"/>
+            </a:solidFill>
+          </a:ln>
+        </p:spPr>
+        <p:style>
+          <a:lnRef idx="2">
+            <a:schemeClr val="accent1">
+              <a:shade val="50000"/>
+            </a:schemeClr>
+          </a:lnRef>
+          <a:fillRef idx="1">
+            <a:schemeClr val="accent1"/>
+          </a:fillRef>
+          <a:effectRef idx="0">
+            <a:schemeClr val="accent1"/>
+          </a:effectRef>
+          <a:fontRef idx="minor">
+            <a:schemeClr val="lt1"/>
+          </a:fontRef>
+        </p:style>
+        <p:txBody>
+          <a:bodyPr rtlCol="0" anchor="ctr"/>
+          <a:lstStyle/>
+          <a:p>
+            <a:pPr algn="ctr"/>
+            <a:r>
+              <a:rPr lang="en-US" dirty="0">
+                <a:latin typeface="Lato" panose="020F0502020204030203" pitchFamily="34" charset="0"/>
+                <a:ea typeface="Lato" panose="020F0502020204030203" pitchFamily="34" charset="0"/>
+                <a:cs typeface="Lato" panose="020F0502020204030203" pitchFamily="34" charset="0"/>
+              </a:rPr>
+              <a:t>Instrument Z</a:t>
+            </a:r>
+          </a:p>
+        </p:txBody>
+      </p:sp>
+      <p:sp>
+        <p:nvSpPr>
+          <p:cNvPr id="8" name="Oval 7">
+            <a:extLst>
+              <a:ext uri="{FF2B5EF4-FFF2-40B4-BE49-F238E27FC236}">
+                <a16:creationId xmlns:a16="http://schemas.microsoft.com/office/drawing/2014/main" id="{77186709-2535-0B40-A20F-D4700A47B08E}"/>
+              </a:ext>
+            </a:extLst>
+          </p:cNvPr>
+          <p:cNvSpPr/>
+          <p:nvPr/>
+        </p:nvSpPr>
+        <p:spPr>
+          <a:xfrm>
+            <a:off x="9767849" y="2942004"/>
+            <a:ext cx="1828800" cy="1828800"/>
+          </a:xfrm>
+          <a:prstGeom prst="ellipse">
+            <a:avLst/>
+          </a:prstGeom>
+          <a:solidFill>
+            <a:schemeClr val="tx1"/>
+          </a:solidFill>
+          <a:ln>
+            <a:solidFill>
+              <a:schemeClr val="tx1"/>
+            </a:solidFill>
+          </a:ln>
+        </p:spPr>
+        <p:style>
+          <a:lnRef idx="2">
+            <a:schemeClr val="accent1">
+              <a:shade val="50000"/>
+            </a:schemeClr>
+          </a:lnRef>
+          <a:fillRef idx="1">
+            <a:schemeClr val="accent1"/>
+          </a:fillRef>
+          <a:effectRef idx="0">
+            <a:schemeClr val="accent1"/>
+          </a:effectRef>
+          <a:fontRef idx="minor">
+            <a:schemeClr val="lt1"/>
+          </a:fontRef>
+        </p:style>
+        <p:txBody>
+          <a:bodyPr rtlCol="0" anchor="ctr"/>
+          <a:lstStyle/>
+          <a:p>
+            <a:pPr algn="ctr"/>
+            <a:r>
+              <a:rPr lang="en-US" dirty="0">
+                <a:latin typeface="Lato" panose="020F0502020204030203" pitchFamily="34" charset="0"/>
+                <a:ea typeface="Lato" panose="020F0502020204030203" pitchFamily="34" charset="0"/>
+                <a:cs typeface="Lato" panose="020F0502020204030203" pitchFamily="34" charset="0"/>
+              </a:rPr>
+              <a:t>Con-founding e</a:t>
+            </a:r>
+          </a:p>
+        </p:txBody>
+      </p:sp>
+      <p:cxnSp>
+        <p:nvCxnSpPr>
+          <p:cNvPr id="10" name="Straight Arrow Connector 9">
+            <a:extLst>
+              <a:ext uri="{FF2B5EF4-FFF2-40B4-BE49-F238E27FC236}">
+                <a16:creationId xmlns:a16="http://schemas.microsoft.com/office/drawing/2014/main" id="{C0ECDA35-FD2D-6F49-9B2F-D7304B92771E}"/>
+              </a:ext>
+            </a:extLst>
+          </p:cNvPr>
+          <p:cNvCxnSpPr>
+            <a:stCxn id="4" idx="5"/>
+            <a:endCxn id="6" idx="2"/>
+          </p:cNvCxnSpPr>
+          <p:nvPr/>
+        </p:nvCxnSpPr>
+        <p:spPr>
+          <a:xfrm>
+            <a:off x="1781480" y="2670641"/>
+            <a:ext cx="3872859" cy="2949242"/>
+          </a:xfrm>
+          <a:prstGeom prst="straightConnector1">
+            <a:avLst/>
+          </a:prstGeom>
+          <a:ln w="101600">
+            <a:solidFill>
+              <a:schemeClr val="tx1"/>
+            </a:solidFill>
+            <a:tailEnd type="triangle"/>
+          </a:ln>
+        </p:spPr>
+        <p:style>
+          <a:lnRef idx="1">
+            <a:schemeClr val="accent1"/>
+          </a:lnRef>
+          <a:fillRef idx="0">
+            <a:schemeClr val="accent1"/>
+          </a:fillRef>
+          <a:effectRef idx="0">
+            <a:schemeClr val="accent1"/>
+          </a:effectRef>
+          <a:fontRef idx="minor">
+            <a:schemeClr val="tx1"/>
+          </a:fontRef>
+        </p:style>
+      </p:cxnSp>
+      <p:cxnSp>
+        <p:nvCxnSpPr>
+          <p:cNvPr id="12" name="Straight Arrow Connector 11">
+            <a:extLst>
+              <a:ext uri="{FF2B5EF4-FFF2-40B4-BE49-F238E27FC236}">
+                <a16:creationId xmlns:a16="http://schemas.microsoft.com/office/drawing/2014/main" id="{4F3E28F1-A8B0-9341-8BF4-813C909B1B96}"/>
+              </a:ext>
+            </a:extLst>
+          </p:cNvPr>
+          <p:cNvCxnSpPr>
+            <a:cxnSpLocks/>
+            <a:stCxn id="4" idx="6"/>
+            <a:endCxn id="5" idx="2"/>
+          </p:cNvCxnSpPr>
+          <p:nvPr/>
+        </p:nvCxnSpPr>
+        <p:spPr>
+          <a:xfrm>
+            <a:off x="2049302" y="2024063"/>
+            <a:ext cx="3604392" cy="0"/>
+          </a:xfrm>
+          <a:prstGeom prst="straightConnector1">
+            <a:avLst/>
+          </a:prstGeom>
+          <a:ln w="101600">
+            <a:solidFill>
+              <a:schemeClr val="tx1"/>
+            </a:solidFill>
+            <a:tailEnd type="triangle"/>
+          </a:ln>
+        </p:spPr>
+        <p:style>
+          <a:lnRef idx="1">
+            <a:schemeClr val="accent1"/>
+          </a:lnRef>
+          <a:fillRef idx="0">
+            <a:schemeClr val="accent1"/>
+          </a:fillRef>
+          <a:effectRef idx="0">
+            <a:schemeClr val="accent1"/>
+          </a:effectRef>
+          <a:fontRef idx="minor">
+            <a:schemeClr val="tx1"/>
+          </a:fontRef>
+        </p:style>
+      </p:cxnSp>
+      <p:cxnSp>
+        <p:nvCxnSpPr>
+          <p:cNvPr id="14" name="Straight Arrow Connector 13">
+            <a:extLst>
+              <a:ext uri="{FF2B5EF4-FFF2-40B4-BE49-F238E27FC236}">
+                <a16:creationId xmlns:a16="http://schemas.microsoft.com/office/drawing/2014/main" id="{95089A92-80D4-DC4D-A879-675C8B1027E8}"/>
+              </a:ext>
+            </a:extLst>
+          </p:cNvPr>
+          <p:cNvCxnSpPr>
+            <a:stCxn id="7" idx="6"/>
+            <a:endCxn id="6" idx="2"/>
+          </p:cNvCxnSpPr>
+          <p:nvPr/>
+        </p:nvCxnSpPr>
+        <p:spPr>
+          <a:xfrm>
+            <a:off x="2049302" y="5619883"/>
+            <a:ext cx="3605037" cy="0"/>
+          </a:xfrm>
+          <a:prstGeom prst="straightConnector1">
+            <a:avLst/>
+          </a:prstGeom>
+          <a:ln w="101600">
+            <a:solidFill>
+              <a:schemeClr val="tx1"/>
+            </a:solidFill>
+            <a:tailEnd type="triangle"/>
+          </a:ln>
+        </p:spPr>
+        <p:style>
+          <a:lnRef idx="1">
+            <a:schemeClr val="accent1"/>
+          </a:lnRef>
+          <a:fillRef idx="0">
+            <a:schemeClr val="accent1"/>
+          </a:fillRef>
+          <a:effectRef idx="0">
+            <a:schemeClr val="accent1"/>
+          </a:effectRef>
+          <a:fontRef idx="minor">
+            <a:schemeClr val="tx1"/>
+          </a:fontRef>
+        </p:style>
+      </p:cxnSp>
+      <p:cxnSp>
+        <p:nvCxnSpPr>
+          <p:cNvPr id="16" name="Straight Arrow Connector 15">
+            <a:extLst>
+              <a:ext uri="{FF2B5EF4-FFF2-40B4-BE49-F238E27FC236}">
+                <a16:creationId xmlns:a16="http://schemas.microsoft.com/office/drawing/2014/main" id="{61BF0F15-1A9B-2646-8342-406308E25B01}"/>
+              </a:ext>
+            </a:extLst>
+          </p:cNvPr>
+          <p:cNvCxnSpPr>
+            <a:stCxn id="6" idx="0"/>
+            <a:endCxn id="5" idx="4"/>
+          </p:cNvCxnSpPr>
+          <p:nvPr/>
+        </p:nvCxnSpPr>
+        <p:spPr>
+          <a:xfrm flipH="1" flipV="1">
+            <a:off x="6568094" y="2938463"/>
+            <a:ext cx="645" cy="1767020"/>
+          </a:xfrm>
+          <a:prstGeom prst="straightConnector1">
+            <a:avLst/>
+          </a:prstGeom>
+          <a:ln w="101600">
+            <a:solidFill>
+              <a:schemeClr val="tx1"/>
+            </a:solidFill>
+            <a:tailEnd type="triangle"/>
+          </a:ln>
+        </p:spPr>
+        <p:style>
+          <a:lnRef idx="1">
+            <a:schemeClr val="accent1"/>
+          </a:lnRef>
+          <a:fillRef idx="0">
+            <a:schemeClr val="accent1"/>
+          </a:fillRef>
+          <a:effectRef idx="0">
+            <a:schemeClr val="accent1"/>
+          </a:effectRef>
+          <a:fontRef idx="minor">
+            <a:schemeClr val="tx1"/>
+          </a:fontRef>
+        </p:style>
+      </p:cxnSp>
+      <p:cxnSp>
+        <p:nvCxnSpPr>
+          <p:cNvPr id="18" name="Straight Arrow Connector 17">
+            <a:extLst>
+              <a:ext uri="{FF2B5EF4-FFF2-40B4-BE49-F238E27FC236}">
+                <a16:creationId xmlns:a16="http://schemas.microsoft.com/office/drawing/2014/main" id="{73E639A7-C43E-F644-8DFC-D6D0B46D1E9E}"/>
+              </a:ext>
+            </a:extLst>
+          </p:cNvPr>
+          <p:cNvCxnSpPr>
+            <a:cxnSpLocks/>
+            <a:stCxn id="8" idx="2"/>
+            <a:endCxn id="5" idx="6"/>
+          </p:cNvCxnSpPr>
+          <p:nvPr/>
+        </p:nvCxnSpPr>
+        <p:spPr>
+          <a:xfrm flipH="1" flipV="1">
+            <a:off x="7482494" y="2024063"/>
+            <a:ext cx="2285355" cy="1832341"/>
+          </a:xfrm>
+          <a:prstGeom prst="straightConnector1">
+            <a:avLst/>
+          </a:prstGeom>
+          <a:ln w="101600">
+            <a:solidFill>
+              <a:schemeClr val="tx1"/>
+            </a:solidFill>
+            <a:prstDash val="dash"/>
+            <a:tailEnd type="triangle"/>
+          </a:ln>
+        </p:spPr>
+        <p:style>
+          <a:lnRef idx="1">
+            <a:schemeClr val="accent1"/>
+          </a:lnRef>
+          <a:fillRef idx="0">
+            <a:schemeClr val="accent1"/>
+          </a:fillRef>
+          <a:effectRef idx="0">
+            <a:schemeClr val="accent1"/>
+          </a:effectRef>
+          <a:fontRef idx="minor">
+            <a:schemeClr val="tx1"/>
+          </a:fontRef>
+        </p:style>
+      </p:cxnSp>
+      <p:cxnSp>
+        <p:nvCxnSpPr>
+          <p:cNvPr id="20" name="Straight Arrow Connector 19">
+            <a:extLst>
+              <a:ext uri="{FF2B5EF4-FFF2-40B4-BE49-F238E27FC236}">
+                <a16:creationId xmlns:a16="http://schemas.microsoft.com/office/drawing/2014/main" id="{71213DAD-8E93-3D4A-978F-ED6E4D8C8E15}"/>
+              </a:ext>
+            </a:extLst>
+          </p:cNvPr>
+          <p:cNvCxnSpPr>
+            <a:cxnSpLocks/>
+            <a:stCxn id="8" idx="2"/>
+            <a:endCxn id="6" idx="6"/>
+          </p:cNvCxnSpPr>
+          <p:nvPr/>
+        </p:nvCxnSpPr>
+        <p:spPr>
+          <a:xfrm flipH="1">
+            <a:off x="7483139" y="3856404"/>
+            <a:ext cx="2284710" cy="1763479"/>
+          </a:xfrm>
+          <a:prstGeom prst="straightConnector1">
+            <a:avLst/>
+          </a:prstGeom>
+          <a:ln w="101600">
+            <a:solidFill>
+              <a:schemeClr val="tx1"/>
+            </a:solidFill>
+            <a:prstDash val="dash"/>
+            <a:tailEnd type="triangle"/>
+          </a:ln>
+        </p:spPr>
+        <p:style>
+          <a:lnRef idx="1">
+            <a:schemeClr val="accent1"/>
+          </a:lnRef>
+          <a:fillRef idx="0">
+            <a:schemeClr val="accent1"/>
+          </a:fillRef>
+          <a:effectRef idx="0">
+            <a:schemeClr val="accent1"/>
+          </a:effectRef>
+          <a:fontRef idx="minor">
+            <a:schemeClr val="tx1"/>
+          </a:fontRef>
+        </p:style>
+      </p:cxnSp>
+      <p:sp>
+        <p:nvSpPr>
+          <p:cNvPr id="15" name="Multiply 14">
+            <a:extLst>
+              <a:ext uri="{FF2B5EF4-FFF2-40B4-BE49-F238E27FC236}">
+                <a16:creationId xmlns:a16="http://schemas.microsoft.com/office/drawing/2014/main" id="{BB51613D-73D1-F34D-B59E-D70F8023564D}"/>
+              </a:ext>
+            </a:extLst>
+          </p:cNvPr>
+          <p:cNvSpPr/>
+          <p:nvPr/>
+        </p:nvSpPr>
+        <p:spPr>
+          <a:xfrm>
+            <a:off x="7839303" y="3960674"/>
+            <a:ext cx="1709782" cy="1489617"/>
+          </a:xfrm>
+          <a:prstGeom prst="mathMultiply">
+            <a:avLst>
+              <a:gd name="adj1" fmla="val 11215"/>
+            </a:avLst>
+          </a:prstGeom>
+          <a:solidFill>
+            <a:srgbClr val="FF0000"/>
+          </a:solidFill>
+          <a:ln>
+            <a:solidFill>
+              <a:srgbClr val="FF0000"/>
+            </a:solidFill>
+          </a:ln>
+        </p:spPr>
+        <p:style>
+          <a:lnRef idx="2">
+            <a:schemeClr val="accent1">
+              <a:shade val="50000"/>
+            </a:schemeClr>
+          </a:lnRef>
+          <a:fillRef idx="1">
+            <a:schemeClr val="accent1"/>
+          </a:fillRef>
+          <a:effectRef idx="0">
+            <a:schemeClr val="accent1"/>
+          </a:effectRef>
+          <a:fontRef idx="minor">
+            <a:schemeClr val="lt1"/>
+          </a:fontRef>
+        </p:style>
+        <p:txBody>
+          <a:bodyPr rtlCol="0" anchor="ctr"/>
+          <a:lstStyle/>
+          <a:p>
+            <a:pPr algn="ctr"/>
+            <a:endParaRPr lang="en-US"/>
+          </a:p>
+        </p:txBody>
+      </p:sp>
+      <mc:AlternateContent xmlns:mc="http://schemas.openxmlformats.org/markup-compatibility/2006">
+        <mc:Choice xmlns:a14="http://schemas.microsoft.com/office/drawing/2010/main" Requires="a14">
+          <p:sp>
+            <p:nvSpPr>
+              <p:cNvPr id="3" name="TextBox 2">
+                <a:extLst>
+                  <a:ext uri="{FF2B5EF4-FFF2-40B4-BE49-F238E27FC236}">
+                    <a16:creationId xmlns:a16="http://schemas.microsoft.com/office/drawing/2014/main" id="{ED325F7F-56AC-3A43-82E4-FC627BA0C766}"/>
+                  </a:ext>
+                </a:extLst>
+              </p:cNvPr>
+              <p:cNvSpPr txBox="1"/>
+              <p:nvPr/>
+            </p:nvSpPr>
+            <p:spPr>
+              <a:xfrm>
+                <a:off x="1941017" y="5903999"/>
+                <a:ext cx="4011034" cy="840871"/>
+              </a:xfrm>
+              <a:prstGeom prst="rect">
+                <a:avLst/>
+              </a:prstGeom>
+              <a:noFill/>
+            </p:spPr>
+            <p:txBody>
+              <a:bodyPr wrap="none" rtlCol="0">
+                <a:spAutoFit/>
+              </a:bodyPr>
+              <a:lstStyle/>
+              <a:p>
+                <a:r>
+                  <a:rPr lang="en-US" sz="2400" dirty="0"/>
+                  <a:t>Neural network with sampling </a:t>
+                </a:r>
+              </a:p>
+              <a:p>
+                <a:pPr/>
+                <a14:m>
+                  <m:oMathPara xmlns:m="http://schemas.openxmlformats.org/officeDocument/2006/math">
+                    <m:oMathParaPr>
+                      <m:jc m:val="centerGroup"/>
+                    </m:oMathParaPr>
+                    <m:oMath xmlns:m="http://schemas.openxmlformats.org/officeDocument/2006/math">
+                      <m:acc>
+                        <m:accPr>
+                          <m:chr m:val="̂"/>
+                          <m:ctrlPr>
+                            <a:rPr lang="de-DE" sz="2400" b="0" i="1" dirty="0" smtClean="0">
+                              <a:latin typeface="Cambria Math" panose="02040503050406030204" pitchFamily="18" charset="0"/>
+                            </a:rPr>
+                          </m:ctrlPr>
+                        </m:accPr>
+                        <m:e>
+                          <m:r>
+                            <a:rPr lang="de-DE" sz="2400" b="0" i="1" dirty="0" smtClean="0">
+                              <a:latin typeface="Cambria Math" panose="02040503050406030204" pitchFamily="18" charset="0"/>
+                            </a:rPr>
+                            <m:t>𝐹</m:t>
+                          </m:r>
+                        </m:e>
+                      </m:acc>
+                      <m:r>
+                        <a:rPr lang="de-DE" sz="2400" b="0" i="1" dirty="0" smtClean="0">
+                          <a:latin typeface="Cambria Math" panose="02040503050406030204" pitchFamily="18" charset="0"/>
+                        </a:rPr>
+                        <m:t>(</m:t>
+                      </m:r>
+                      <m:r>
+                        <a:rPr lang="de-DE" sz="2400" b="0" i="1" dirty="0" smtClean="0">
+                          <a:latin typeface="Cambria Math" panose="02040503050406030204" pitchFamily="18" charset="0"/>
+                        </a:rPr>
+                        <m:t>𝑝</m:t>
+                      </m:r>
+                      <m:r>
+                        <a:rPr lang="de-DE" sz="2400" b="0" i="1" dirty="0" smtClean="0">
+                          <a:latin typeface="Cambria Math" panose="02040503050406030204" pitchFamily="18" charset="0"/>
+                        </a:rPr>
+                        <m:t>|</m:t>
+                      </m:r>
+                      <m:r>
+                        <a:rPr lang="de-DE" sz="2400" b="0" i="1" dirty="0" smtClean="0">
+                          <a:latin typeface="Cambria Math" panose="02040503050406030204" pitchFamily="18" charset="0"/>
+                        </a:rPr>
+                        <m:t>𝑧</m:t>
+                      </m:r>
+                      <m:r>
+                        <a:rPr lang="de-DE" sz="2400" b="0" i="1" dirty="0" smtClean="0">
+                          <a:latin typeface="Cambria Math" panose="02040503050406030204" pitchFamily="18" charset="0"/>
+                        </a:rPr>
+                        <m:t>,</m:t>
+                      </m:r>
+                      <m:r>
+                        <a:rPr lang="de-DE" sz="2400" b="0" i="1" dirty="0" smtClean="0">
+                          <a:latin typeface="Cambria Math" panose="02040503050406030204" pitchFamily="18" charset="0"/>
+                        </a:rPr>
+                        <m:t>𝑥</m:t>
+                      </m:r>
+                      <m:r>
+                        <a:rPr lang="de-DE" sz="2400" b="0" i="1" dirty="0" smtClean="0">
+                          <a:latin typeface="Cambria Math" panose="02040503050406030204" pitchFamily="18" charset="0"/>
+                        </a:rPr>
+                        <m:t>)</m:t>
+                      </m:r>
+                    </m:oMath>
+                  </m:oMathPara>
+                </a14:m>
+                <a:endParaRPr lang="en-US" sz="2400" dirty="0"/>
+              </a:p>
+            </p:txBody>
+          </p:sp>
+        </mc:Choice>
+        <mc:Fallback>
+          <p:sp>
+            <p:nvSpPr>
+              <p:cNvPr id="3" name="TextBox 2">
+                <a:extLst>
+                  <a:ext uri="{FF2B5EF4-FFF2-40B4-BE49-F238E27FC236}">
+                    <a16:creationId xmlns:a16="http://schemas.microsoft.com/office/drawing/2014/main" id="{ED325F7F-56AC-3A43-82E4-FC627BA0C766}"/>
+                  </a:ext>
+                </a:extLst>
+              </p:cNvPr>
+              <p:cNvSpPr txBox="1">
+                <a:spLocks noRot="1" noChangeAspect="1" noMove="1" noResize="1" noEditPoints="1" noAdjustHandles="1" noChangeArrowheads="1" noChangeShapeType="1" noTextEdit="1"/>
+              </p:cNvSpPr>
+              <p:nvPr/>
+            </p:nvSpPr>
+            <p:spPr>
+              <a:xfrm>
+                <a:off x="1941017" y="5903999"/>
+                <a:ext cx="4011034" cy="840871"/>
+              </a:xfrm>
+              <a:prstGeom prst="rect">
+                <a:avLst/>
+              </a:prstGeom>
+              <a:blipFill>
+                <a:blip r:embed="rId2"/>
+                <a:stretch>
+                  <a:fillRect l="-2208" t="-5970" r="-1262" b="-7463"/>
+                </a:stretch>
+              </a:blipFill>
+            </p:spPr>
+            <p:txBody>
+              <a:bodyPr/>
+              <a:lstStyle/>
+              <a:p>
+                <a:r>
+                  <a:rPr lang="en-US">
+                    <a:noFill/>
+                  </a:rPr>
+                  <a:t> </a:t>
+                </a:r>
+              </a:p>
+            </p:txBody>
+          </p:sp>
+        </mc:Fallback>
+      </mc:AlternateContent>
+      <mc:AlternateContent xmlns:mc="http://schemas.openxmlformats.org/markup-compatibility/2006">
+        <mc:Choice xmlns:a14="http://schemas.microsoft.com/office/drawing/2010/main" Requires="a14">
+          <p:sp>
+            <p:nvSpPr>
+              <p:cNvPr id="23" name="TextBox 22">
+                <a:extLst>
+                  <a:ext uri="{FF2B5EF4-FFF2-40B4-BE49-F238E27FC236}">
+                    <a16:creationId xmlns:a16="http://schemas.microsoft.com/office/drawing/2014/main" id="{B5DA577D-1A20-D442-95B6-F775D2BC9DBE}"/>
+                  </a:ext>
+                </a:extLst>
+              </p:cNvPr>
+              <p:cNvSpPr txBox="1"/>
+              <p:nvPr/>
+            </p:nvSpPr>
+            <p:spPr>
+              <a:xfrm>
+                <a:off x="7482494" y="343987"/>
+                <a:ext cx="2305439" cy="830997"/>
+              </a:xfrm>
+              <a:prstGeom prst="rect">
+                <a:avLst/>
+              </a:prstGeom>
+              <a:noFill/>
+            </p:spPr>
+            <p:txBody>
+              <a:bodyPr wrap="none" rtlCol="0">
+                <a:spAutoFit/>
+              </a:bodyPr>
+              <a:lstStyle/>
+              <a:p>
+                <a:r>
+                  <a:rPr lang="en-US" sz="2400" dirty="0"/>
+                  <a:t>N</a:t>
+                </a:r>
+                <a14:m>
+                  <m:oMath xmlns:m="http://schemas.openxmlformats.org/officeDocument/2006/math">
+                    <m:r>
+                      <m:rPr>
+                        <m:sty m:val="p"/>
+                      </m:rPr>
+                      <a:rPr lang="de-DE" sz="2400" b="0" i="0" smtClean="0">
+                        <a:latin typeface="Cambria Math" panose="02040503050406030204" pitchFamily="18" charset="0"/>
+                      </a:rPr>
+                      <m:t>eural</m:t>
+                    </m:r>
+                    <m:r>
+                      <a:rPr lang="de-DE" sz="2400" b="0" i="0" smtClean="0">
+                        <a:latin typeface="Cambria Math" panose="02040503050406030204" pitchFamily="18" charset="0"/>
+                      </a:rPr>
+                      <m:t> </m:t>
+                    </m:r>
+                    <m:r>
+                      <m:rPr>
+                        <m:sty m:val="p"/>
+                      </m:rPr>
+                      <a:rPr lang="de-DE" sz="2400" b="0" i="0" smtClean="0">
+                        <a:latin typeface="Cambria Math" panose="02040503050406030204" pitchFamily="18" charset="0"/>
+                      </a:rPr>
+                      <m:t>network</m:t>
+                    </m:r>
+                    <m:r>
+                      <a:rPr lang="de-DE" sz="2400" b="0" i="0" smtClean="0">
+                        <a:latin typeface="Cambria Math" panose="02040503050406030204" pitchFamily="18" charset="0"/>
+                      </a:rPr>
+                      <m:t> </m:t>
+                    </m:r>
+                  </m:oMath>
+                </a14:m>
+                <a:endParaRPr lang="de-DE" sz="2400" b="0" i="0" dirty="0">
+                  <a:latin typeface="Cambria Math" panose="02040503050406030204" pitchFamily="18" charset="0"/>
+                </a:endParaRPr>
+              </a:p>
+              <a:p>
+                <a:pPr/>
+                <a14:m>
+                  <m:oMathPara xmlns:m="http://schemas.openxmlformats.org/officeDocument/2006/math">
+                    <m:oMathParaPr>
+                      <m:jc m:val="centerGroup"/>
+                    </m:oMathParaPr>
+                    <m:oMath xmlns:m="http://schemas.openxmlformats.org/officeDocument/2006/math">
+                      <m:acc>
+                        <m:accPr>
+                          <m:chr m:val="̂"/>
+                          <m:ctrlPr>
+                            <a:rPr lang="de-DE" sz="2400" b="0" i="1" smtClean="0">
+                              <a:latin typeface="Cambria Math" panose="02040503050406030204" pitchFamily="18" charset="0"/>
+                            </a:rPr>
+                          </m:ctrlPr>
+                        </m:accPr>
+                        <m:e>
+                          <m:r>
+                            <a:rPr lang="de-DE" sz="2400" b="0" i="1" smtClean="0">
+                              <a:latin typeface="Cambria Math" panose="02040503050406030204" pitchFamily="18" charset="0"/>
+                            </a:rPr>
+                            <m:t>𝑦</m:t>
+                          </m:r>
+                        </m:e>
+                      </m:acc>
+                      <m:r>
+                        <a:rPr lang="de-DE" sz="2400" b="0" i="1" dirty="0" smtClean="0">
+                          <a:latin typeface="Cambria Math" panose="02040503050406030204" pitchFamily="18" charset="0"/>
+                        </a:rPr>
+                        <m:t>=</m:t>
+                      </m:r>
+                      <m:r>
+                        <a:rPr lang="de-DE" sz="2400" b="0" i="1" dirty="0" smtClean="0">
+                          <a:latin typeface="Cambria Math" panose="02040503050406030204" pitchFamily="18" charset="0"/>
+                        </a:rPr>
+                        <m:t>𝑔</m:t>
+                      </m:r>
+                      <m:r>
+                        <a:rPr lang="de-DE" sz="2400" b="0" i="1" dirty="0" smtClean="0">
+                          <a:latin typeface="Cambria Math" panose="02040503050406030204" pitchFamily="18" charset="0"/>
+                        </a:rPr>
+                        <m:t>(</m:t>
+                      </m:r>
+                      <m:r>
+                        <a:rPr lang="de-DE" sz="2400" b="0" i="1" dirty="0" smtClean="0">
+                          <a:latin typeface="Cambria Math" panose="02040503050406030204" pitchFamily="18" charset="0"/>
+                        </a:rPr>
+                        <m:t>𝑥</m:t>
+                      </m:r>
+                      <m:r>
+                        <a:rPr lang="de-DE" sz="2400" b="0" i="1" dirty="0" smtClean="0">
+                          <a:latin typeface="Cambria Math" panose="02040503050406030204" pitchFamily="18" charset="0"/>
+                        </a:rPr>
+                        <m:t>,</m:t>
+                      </m:r>
+                      <m:r>
+                        <a:rPr lang="de-DE" sz="2400" b="0" i="1" dirty="0" smtClean="0">
+                          <a:latin typeface="Cambria Math" panose="02040503050406030204" pitchFamily="18" charset="0"/>
+                        </a:rPr>
+                        <m:t>𝑝</m:t>
+                      </m:r>
+                      <m:r>
+                        <a:rPr lang="de-DE" sz="2400" b="0" i="1" dirty="0" smtClean="0">
+                          <a:latin typeface="Cambria Math" panose="02040503050406030204" pitchFamily="18" charset="0"/>
+                        </a:rPr>
+                        <m:t>)</m:t>
+                      </m:r>
+                    </m:oMath>
+                  </m:oMathPara>
+                </a14:m>
+                <a:endParaRPr lang="en-US" sz="2400" dirty="0"/>
+              </a:p>
+            </p:txBody>
+          </p:sp>
+        </mc:Choice>
+        <mc:Fallback>
+          <p:sp>
+            <p:nvSpPr>
+              <p:cNvPr id="23" name="TextBox 22">
+                <a:extLst>
+                  <a:ext uri="{FF2B5EF4-FFF2-40B4-BE49-F238E27FC236}">
+                    <a16:creationId xmlns:a16="http://schemas.microsoft.com/office/drawing/2014/main" id="{B5DA577D-1A20-D442-95B6-F775D2BC9DBE}"/>
+                  </a:ext>
+                </a:extLst>
+              </p:cNvPr>
+              <p:cNvSpPr txBox="1">
+                <a:spLocks noRot="1" noChangeAspect="1" noMove="1" noResize="1" noEditPoints="1" noAdjustHandles="1" noChangeArrowheads="1" noChangeShapeType="1" noTextEdit="1"/>
+              </p:cNvSpPr>
+              <p:nvPr/>
+            </p:nvSpPr>
+            <p:spPr>
+              <a:xfrm>
+                <a:off x="7482494" y="343987"/>
+                <a:ext cx="2305439" cy="830997"/>
+              </a:xfrm>
+              <a:prstGeom prst="rect">
+                <a:avLst/>
+              </a:prstGeom>
+              <a:blipFill>
+                <a:blip r:embed="rId3"/>
+                <a:stretch>
+                  <a:fillRect l="-3825" t="-4478" r="-1093" b="-5970"/>
+                </a:stretch>
+              </a:blipFill>
+            </p:spPr>
+            <p:txBody>
+              <a:bodyPr/>
+              <a:lstStyle/>
+              <a:p>
+                <a:r>
+                  <a:rPr lang="en-US">
+                    <a:noFill/>
+                  </a:rPr>
+                  <a:t> </a:t>
+                </a:r>
+              </a:p>
+            </p:txBody>
+          </p:sp>
+        </mc:Fallback>
+      </mc:AlternateContent>
+    </p:spTree>
+    <p:extLst>
+      <p:ext uri="{BB962C8B-B14F-4D97-AF65-F5344CB8AC3E}">
+        <p14:creationId xmlns:p14="http://schemas.microsoft.com/office/powerpoint/2010/main" val="793532628"/>
+      </p:ext>
+    </p:extLst>
+  </p:cSld>
+  <p:clrMapOvr>
+    <a:masterClrMapping/>
+  </p:clrMapOvr>
+</p:sld>
+</file>
+
 <file path=ppt/theme/theme1.xml><?xml version="1.0" encoding="utf-8"?>
 <a:theme xmlns:a="http://schemas.openxmlformats.org/drawingml/2006/main" name="Office Theme">
   <a:themeElements>
